--- a/08_01BinarySearchCS152.pptx
+++ b/08_01BinarySearchCS152.pptx
@@ -267,285 +267,37 @@
 </p:presentation>
 </file>
 
-<file path=ppt/revisionInfo.xml><?xml version="1.0" encoding="utf-8"?>
-<p1510:revInfo xmlns:a="http://schemas.openxmlformats.org/drawingml/2006/main" xmlns:r="http://schemas.openxmlformats.org/officeDocument/2006/relationships" xmlns:p1510="http://schemas.microsoft.com/office/powerpoint/2015/10/main">
-  <p1510:revLst>
-    <p1510:client id="{1BAB5992-2FE2-4BAA-8568-BB196F7CCFC7}" v="14" dt="2022-10-12T16:38:31.776"/>
-  </p1510:revLst>
-</p1510:revInfo>
-</file>
-
 <file path=ppt/changesInfos/changesInfo1.xml><?xml version="1.0" encoding="utf-8"?>
 <pc:chgInfo xmlns:a="http://schemas.openxmlformats.org/drawingml/2006/main" xmlns:r="http://schemas.openxmlformats.org/officeDocument/2006/relationships" xmlns:ac="http://schemas.microsoft.com/office/drawing/2013/main/command" xmlns:pc="http://schemas.microsoft.com/office/powerpoint/2013/main/command">
   <pc:docChgLst>
-    <pc:chgData name="Moraes,Marcia" userId="c9c67e8a-58e2-4733-9a1c-5d44fec4775b" providerId="ADAL" clId="{1BAB5992-2FE2-4BAA-8568-BB196F7CCFC7}"/>
-    <pc:docChg chg="custSel addSld delSld modSld">
-      <pc:chgData name="Moraes,Marcia" userId="c9c67e8a-58e2-4733-9a1c-5d44fec4775b" providerId="ADAL" clId="{1BAB5992-2FE2-4BAA-8568-BB196F7CCFC7}" dt="2022-10-12T16:38:31.776" v="1359" actId="1076"/>
+    <pc:chgData name="Marcia Moraes" userId="c9c67e8a-58e2-4733-9a1c-5d44fec4775b" providerId="ADAL" clId="{A58A65E5-2F1F-4D65-9441-6776DE5189B0}"/>
+    <pc:docChg chg="modSld">
+      <pc:chgData name="Marcia Moraes" userId="c9c67e8a-58e2-4733-9a1c-5d44fec4775b" providerId="ADAL" clId="{A58A65E5-2F1F-4D65-9441-6776DE5189B0}" dt="2024-08-08T21:29:53.233" v="4" actId="20577"/>
       <pc:docMkLst>
         <pc:docMk/>
       </pc:docMkLst>
-      <pc:sldChg chg="modSp mod">
-        <pc:chgData name="Moraes,Marcia" userId="c9c67e8a-58e2-4733-9a1c-5d44fec4775b" providerId="ADAL" clId="{1BAB5992-2FE2-4BAA-8568-BB196F7CCFC7}" dt="2022-10-12T16:35:18.127" v="1356" actId="20577"/>
-        <pc:sldMkLst>
-          <pc:docMk/>
-          <pc:sldMk cId="0" sldId="256"/>
-        </pc:sldMkLst>
-        <pc:spChg chg="mod">
-          <ac:chgData name="Moraes,Marcia" userId="c9c67e8a-58e2-4733-9a1c-5d44fec4775b" providerId="ADAL" clId="{1BAB5992-2FE2-4BAA-8568-BB196F7CCFC7}" dt="2022-10-12T16:35:18.127" v="1356" actId="20577"/>
-          <ac:spMkLst>
-            <pc:docMk/>
-            <pc:sldMk cId="0" sldId="256"/>
-            <ac:spMk id="185" creationId="{00000000-0000-0000-0000-000000000000}"/>
-          </ac:spMkLst>
-        </pc:spChg>
-        <pc:spChg chg="mod">
-          <ac:chgData name="Moraes,Marcia" userId="c9c67e8a-58e2-4733-9a1c-5d44fec4775b" providerId="ADAL" clId="{1BAB5992-2FE2-4BAA-8568-BB196F7CCFC7}" dt="2022-10-10T02:06:40.202" v="38" actId="6549"/>
-          <ac:spMkLst>
-            <pc:docMk/>
-            <pc:sldMk cId="0" sldId="256"/>
-            <ac:spMk id="187" creationId="{00000000-0000-0000-0000-000000000000}"/>
-          </ac:spMkLst>
-        </pc:spChg>
-      </pc:sldChg>
-      <pc:sldChg chg="addSp delSp modSp mod">
-        <pc:chgData name="Moraes,Marcia" userId="c9c67e8a-58e2-4733-9a1c-5d44fec4775b" providerId="ADAL" clId="{1BAB5992-2FE2-4BAA-8568-BB196F7CCFC7}" dt="2022-10-12T16:38:31.776" v="1359" actId="1076"/>
+      <pc:sldChg chg="modSp">
+        <pc:chgData name="Marcia Moraes" userId="c9c67e8a-58e2-4733-9a1c-5d44fec4775b" providerId="ADAL" clId="{A58A65E5-2F1F-4D65-9441-6776DE5189B0}" dt="2024-08-08T21:29:53.233" v="4" actId="20577"/>
         <pc:sldMkLst>
           <pc:docMk/>
           <pc:sldMk cId="2954226462" sldId="268"/>
         </pc:sldMkLst>
         <pc:spChg chg="mod">
-          <ac:chgData name="Moraes,Marcia" userId="c9c67e8a-58e2-4733-9a1c-5d44fec4775b" providerId="ADAL" clId="{1BAB5992-2FE2-4BAA-8568-BB196F7CCFC7}" dt="2022-10-10T02:08:34.163" v="224" actId="20577"/>
+          <ac:chgData name="Marcia Moraes" userId="c9c67e8a-58e2-4733-9a1c-5d44fec4775b" providerId="ADAL" clId="{A58A65E5-2F1F-4D65-9441-6776DE5189B0}" dt="2024-08-08T21:29:53.233" v="4" actId="20577"/>
           <ac:spMkLst>
             <pc:docMk/>
             <pc:sldMk cId="2954226462" sldId="268"/>
             <ac:spMk id="7" creationId="{F1F79DD2-1F3F-234C-A44A-3A87D436D29A}"/>
           </ac:spMkLst>
         </pc:spChg>
-        <pc:picChg chg="del">
-          <ac:chgData name="Moraes,Marcia" userId="c9c67e8a-58e2-4733-9a1c-5d44fec4775b" providerId="ADAL" clId="{1BAB5992-2FE2-4BAA-8568-BB196F7CCFC7}" dt="2022-10-10T02:31:11.307" v="225" actId="478"/>
-          <ac:picMkLst>
-            <pc:docMk/>
-            <pc:sldMk cId="2954226462" sldId="268"/>
-            <ac:picMk id="2" creationId="{2CEE6DA9-4D5F-EB70-7A56-354A64A2D7F5}"/>
-          </ac:picMkLst>
-        </pc:picChg>
-        <pc:picChg chg="add mod">
-          <ac:chgData name="Moraes,Marcia" userId="c9c67e8a-58e2-4733-9a1c-5d44fec4775b" providerId="ADAL" clId="{1BAB5992-2FE2-4BAA-8568-BB196F7CCFC7}" dt="2022-10-12T16:38:31.776" v="1359" actId="1076"/>
-          <ac:picMkLst>
-            <pc:docMk/>
-            <pc:sldMk cId="2954226462" sldId="268"/>
-            <ac:picMk id="2" creationId="{30878B4D-F875-D999-03FD-AC8C0457CDBC}"/>
-          </ac:picMkLst>
-        </pc:picChg>
-        <pc:picChg chg="add del mod">
-          <ac:chgData name="Moraes,Marcia" userId="c9c67e8a-58e2-4733-9a1c-5d44fec4775b" providerId="ADAL" clId="{1BAB5992-2FE2-4BAA-8568-BB196F7CCFC7}" dt="2022-10-12T16:38:26.885" v="1357" actId="478"/>
-          <ac:picMkLst>
-            <pc:docMk/>
-            <pc:sldMk cId="2954226462" sldId="268"/>
-            <ac:picMk id="1026" creationId="{12308194-3ACA-729B-3FA8-B41722F11B15}"/>
-          </ac:picMkLst>
-        </pc:picChg>
-      </pc:sldChg>
-      <pc:sldChg chg="del">
-        <pc:chgData name="Moraes,Marcia" userId="c9c67e8a-58e2-4733-9a1c-5d44fec4775b" providerId="ADAL" clId="{1BAB5992-2FE2-4BAA-8568-BB196F7CCFC7}" dt="2022-10-10T02:31:52.376" v="228" actId="47"/>
-        <pc:sldMkLst>
-          <pc:docMk/>
-          <pc:sldMk cId="1172125351" sldId="288"/>
-        </pc:sldMkLst>
-      </pc:sldChg>
-      <pc:sldChg chg="addSp delSp modSp mod">
-        <pc:chgData name="Moraes,Marcia" userId="c9c67e8a-58e2-4733-9a1c-5d44fec4775b" providerId="ADAL" clId="{1BAB5992-2FE2-4BAA-8568-BB196F7CCFC7}" dt="2022-10-10T02:35:59.404" v="673" actId="14100"/>
-        <pc:sldMkLst>
-          <pc:docMk/>
-          <pc:sldMk cId="2583827647" sldId="291"/>
-        </pc:sldMkLst>
-        <pc:spChg chg="mod">
-          <ac:chgData name="Moraes,Marcia" userId="c9c67e8a-58e2-4733-9a1c-5d44fec4775b" providerId="ADAL" clId="{1BAB5992-2FE2-4BAA-8568-BB196F7CCFC7}" dt="2022-10-10T02:32:03.721" v="241" actId="20577"/>
-          <ac:spMkLst>
-            <pc:docMk/>
-            <pc:sldMk cId="2583827647" sldId="291"/>
-            <ac:spMk id="2" creationId="{6302E6FC-80C8-2F4C-A9F0-9B205434775A}"/>
-          </ac:spMkLst>
-        </pc:spChg>
-        <pc:spChg chg="del">
-          <ac:chgData name="Moraes,Marcia" userId="c9c67e8a-58e2-4733-9a1c-5d44fec4775b" providerId="ADAL" clId="{1BAB5992-2FE2-4BAA-8568-BB196F7CCFC7}" dt="2022-10-10T02:32:07.878" v="243" actId="478"/>
-          <ac:spMkLst>
-            <pc:docMk/>
-            <pc:sldMk cId="2583827647" sldId="291"/>
-            <ac:spMk id="3" creationId="{1776BEE4-A494-F14A-319A-4421C2CE3DE8}"/>
-          </ac:spMkLst>
-        </pc:spChg>
-        <pc:spChg chg="add del mod">
-          <ac:chgData name="Moraes,Marcia" userId="c9c67e8a-58e2-4733-9a1c-5d44fec4775b" providerId="ADAL" clId="{1BAB5992-2FE2-4BAA-8568-BB196F7CCFC7}" dt="2022-10-10T02:32:12.025" v="245" actId="478"/>
-          <ac:spMkLst>
-            <pc:docMk/>
-            <pc:sldMk cId="2583827647" sldId="291"/>
-            <ac:spMk id="5" creationId="{92CB80CF-83FC-3AB5-E53A-096C622A7803}"/>
-          </ac:spMkLst>
-        </pc:spChg>
-        <pc:spChg chg="add del mod">
-          <ac:chgData name="Moraes,Marcia" userId="c9c67e8a-58e2-4733-9a1c-5d44fec4775b" providerId="ADAL" clId="{1BAB5992-2FE2-4BAA-8568-BB196F7CCFC7}" dt="2022-10-10T02:35:56.767" v="672" actId="478"/>
-          <ac:spMkLst>
-            <pc:docMk/>
-            <pc:sldMk cId="2583827647" sldId="291"/>
-            <ac:spMk id="7" creationId="{A1196A69-F928-FC07-E214-C88870A65FBE}"/>
-          </ac:spMkLst>
-        </pc:spChg>
-        <pc:spChg chg="add mod">
-          <ac:chgData name="Moraes,Marcia" userId="c9c67e8a-58e2-4733-9a1c-5d44fec4775b" providerId="ADAL" clId="{1BAB5992-2FE2-4BAA-8568-BB196F7CCFC7}" dt="2022-10-10T02:35:59.404" v="673" actId="14100"/>
-          <ac:spMkLst>
-            <pc:docMk/>
-            <pc:sldMk cId="2583827647" sldId="291"/>
-            <ac:spMk id="8" creationId="{D2DFF88A-01D2-8624-F615-1FE50F4EEFFA}"/>
-          </ac:spMkLst>
-        </pc:spChg>
-        <pc:picChg chg="del">
-          <ac:chgData name="Moraes,Marcia" userId="c9c67e8a-58e2-4733-9a1c-5d44fec4775b" providerId="ADAL" clId="{1BAB5992-2FE2-4BAA-8568-BB196F7CCFC7}" dt="2022-10-10T02:32:06.447" v="242" actId="478"/>
-          <ac:picMkLst>
-            <pc:docMk/>
-            <pc:sldMk cId="2583827647" sldId="291"/>
-            <ac:picMk id="9" creationId="{2669D212-2924-0976-669D-7718ECB17F0A}"/>
-          </ac:picMkLst>
-        </pc:picChg>
-        <pc:picChg chg="add del">
-          <ac:chgData name="Moraes,Marcia" userId="c9c67e8a-58e2-4733-9a1c-5d44fec4775b" providerId="ADAL" clId="{1BAB5992-2FE2-4BAA-8568-BB196F7CCFC7}" dt="2022-10-10T02:32:12.025" v="245" actId="478"/>
-          <ac:picMkLst>
-            <pc:docMk/>
-            <pc:sldMk cId="2583827647" sldId="291"/>
-            <ac:picMk id="2050" creationId="{96690566-AED1-F503-BD12-AA1AF0BAF40D}"/>
-          </ac:picMkLst>
-        </pc:picChg>
-      </pc:sldChg>
-      <pc:sldChg chg="del">
-        <pc:chgData name="Moraes,Marcia" userId="c9c67e8a-58e2-4733-9a1c-5d44fec4775b" providerId="ADAL" clId="{1BAB5992-2FE2-4BAA-8568-BB196F7CCFC7}" dt="2022-10-10T02:36:04.204" v="674" actId="47"/>
-        <pc:sldMkLst>
-          <pc:docMk/>
-          <pc:sldMk cId="2808197295" sldId="292"/>
-        </pc:sldMkLst>
-      </pc:sldChg>
-      <pc:sldChg chg="del">
-        <pc:chgData name="Moraes,Marcia" userId="c9c67e8a-58e2-4733-9a1c-5d44fec4775b" providerId="ADAL" clId="{1BAB5992-2FE2-4BAA-8568-BB196F7CCFC7}" dt="2022-10-10T02:36:04.688" v="675" actId="47"/>
-        <pc:sldMkLst>
-          <pc:docMk/>
-          <pc:sldMk cId="2806049236" sldId="293"/>
-        </pc:sldMkLst>
-      </pc:sldChg>
-      <pc:sldChg chg="del">
-        <pc:chgData name="Moraes,Marcia" userId="c9c67e8a-58e2-4733-9a1c-5d44fec4775b" providerId="ADAL" clId="{1BAB5992-2FE2-4BAA-8568-BB196F7CCFC7}" dt="2022-10-10T02:36:05.133" v="676" actId="47"/>
-        <pc:sldMkLst>
-          <pc:docMk/>
-          <pc:sldMk cId="3337134214" sldId="294"/>
-        </pc:sldMkLst>
-      </pc:sldChg>
-      <pc:sldChg chg="modSp mod">
-        <pc:chgData name="Moraes,Marcia" userId="c9c67e8a-58e2-4733-9a1c-5d44fec4775b" providerId="ADAL" clId="{1BAB5992-2FE2-4BAA-8568-BB196F7CCFC7}" dt="2022-10-10T02:49:32.280" v="1350" actId="20577"/>
-        <pc:sldMkLst>
-          <pc:docMk/>
-          <pc:sldMk cId="3862158204" sldId="295"/>
-        </pc:sldMkLst>
-        <pc:spChg chg="mod">
-          <ac:chgData name="Moraes,Marcia" userId="c9c67e8a-58e2-4733-9a1c-5d44fec4775b" providerId="ADAL" clId="{1BAB5992-2FE2-4BAA-8568-BB196F7CCFC7}" dt="2022-10-10T02:49:32.280" v="1350" actId="20577"/>
-          <ac:spMkLst>
-            <pc:docMk/>
-            <pc:sldMk cId="3862158204" sldId="295"/>
-            <ac:spMk id="3" creationId="{1776BEE4-A494-F14A-319A-4421C2CE3DE8}"/>
-          </ac:spMkLst>
-        </pc:spChg>
-      </pc:sldChg>
-      <pc:sldChg chg="modSp add mod">
-        <pc:chgData name="Moraes,Marcia" userId="c9c67e8a-58e2-4733-9a1c-5d44fec4775b" providerId="ADAL" clId="{1BAB5992-2FE2-4BAA-8568-BB196F7CCFC7}" dt="2022-10-10T02:37:00.852" v="683" actId="1076"/>
-        <pc:sldMkLst>
-          <pc:docMk/>
-          <pc:sldMk cId="2303370294" sldId="296"/>
-        </pc:sldMkLst>
-        <pc:spChg chg="mod">
-          <ac:chgData name="Moraes,Marcia" userId="c9c67e8a-58e2-4733-9a1c-5d44fec4775b" providerId="ADAL" clId="{1BAB5992-2FE2-4BAA-8568-BB196F7CCFC7}" dt="2022-10-10T02:36:55.612" v="682" actId="1076"/>
-          <ac:spMkLst>
-            <pc:docMk/>
-            <pc:sldMk cId="2303370294" sldId="296"/>
-            <ac:spMk id="2" creationId="{6302E6FC-80C8-2F4C-A9F0-9B205434775A}"/>
-          </ac:spMkLst>
-        </pc:spChg>
-        <pc:spChg chg="mod">
-          <ac:chgData name="Moraes,Marcia" userId="c9c67e8a-58e2-4733-9a1c-5d44fec4775b" providerId="ADAL" clId="{1BAB5992-2FE2-4BAA-8568-BB196F7CCFC7}" dt="2022-10-10T02:37:00.852" v="683" actId="1076"/>
-          <ac:spMkLst>
-            <pc:docMk/>
-            <pc:sldMk cId="2303370294" sldId="296"/>
-            <ac:spMk id="8" creationId="{D2DFF88A-01D2-8624-F615-1FE50F4EEFFA}"/>
-          </ac:spMkLst>
-        </pc:spChg>
-      </pc:sldChg>
-      <pc:sldChg chg="modSp add mod">
-        <pc:chgData name="Moraes,Marcia" userId="c9c67e8a-58e2-4733-9a1c-5d44fec4775b" providerId="ADAL" clId="{1BAB5992-2FE2-4BAA-8568-BB196F7CCFC7}" dt="2022-10-10T02:37:21.329" v="685"/>
-        <pc:sldMkLst>
-          <pc:docMk/>
-          <pc:sldMk cId="3034061553" sldId="297"/>
-        </pc:sldMkLst>
-        <pc:spChg chg="mod">
-          <ac:chgData name="Moraes,Marcia" userId="c9c67e8a-58e2-4733-9a1c-5d44fec4775b" providerId="ADAL" clId="{1BAB5992-2FE2-4BAA-8568-BB196F7CCFC7}" dt="2022-10-10T02:37:21.329" v="685"/>
-          <ac:spMkLst>
-            <pc:docMk/>
-            <pc:sldMk cId="3034061553" sldId="297"/>
-            <ac:spMk id="8" creationId="{D2DFF88A-01D2-8624-F615-1FE50F4EEFFA}"/>
-          </ac:spMkLst>
-        </pc:spChg>
-      </pc:sldChg>
-      <pc:sldChg chg="addSp delSp modSp add mod">
-        <pc:chgData name="Moraes,Marcia" userId="c9c67e8a-58e2-4733-9a1c-5d44fec4775b" providerId="ADAL" clId="{1BAB5992-2FE2-4BAA-8568-BB196F7CCFC7}" dt="2022-10-10T02:47:32.727" v="863" actId="20577"/>
-        <pc:sldMkLst>
-          <pc:docMk/>
-          <pc:sldMk cId="2223967579" sldId="298"/>
-        </pc:sldMkLst>
-        <pc:spChg chg="add mod">
-          <ac:chgData name="Moraes,Marcia" userId="c9c67e8a-58e2-4733-9a1c-5d44fec4775b" providerId="ADAL" clId="{1BAB5992-2FE2-4BAA-8568-BB196F7CCFC7}" dt="2022-10-10T02:45:58.505" v="690" actId="14100"/>
-          <ac:spMkLst>
-            <pc:docMk/>
-            <pc:sldMk cId="2223967579" sldId="298"/>
-            <ac:spMk id="3" creationId="{58D96E62-B71E-5B9D-A473-44773F0EAE9D}"/>
-          </ac:spMkLst>
-        </pc:spChg>
-        <pc:spChg chg="add mod">
-          <ac:chgData name="Moraes,Marcia" userId="c9c67e8a-58e2-4733-9a1c-5d44fec4775b" providerId="ADAL" clId="{1BAB5992-2FE2-4BAA-8568-BB196F7CCFC7}" dt="2022-10-10T02:46:44.389" v="765" actId="207"/>
-          <ac:spMkLst>
-            <pc:docMk/>
-            <pc:sldMk cId="2223967579" sldId="298"/>
-            <ac:spMk id="4" creationId="{BA8E13F6-EEF2-FDA7-7076-F7D876281783}"/>
-          </ac:spMkLst>
-        </pc:spChg>
-        <pc:spChg chg="add mod">
-          <ac:chgData name="Moraes,Marcia" userId="c9c67e8a-58e2-4733-9a1c-5d44fec4775b" providerId="ADAL" clId="{1BAB5992-2FE2-4BAA-8568-BB196F7CCFC7}" dt="2022-10-10T02:46:58.958" v="793" actId="20577"/>
-          <ac:spMkLst>
-            <pc:docMk/>
-            <pc:sldMk cId="2223967579" sldId="298"/>
-            <ac:spMk id="5" creationId="{57534203-0F1D-8B2F-60D1-BF1461EB0DAB}"/>
-          </ac:spMkLst>
-        </pc:spChg>
-        <pc:spChg chg="add mod">
-          <ac:chgData name="Moraes,Marcia" userId="c9c67e8a-58e2-4733-9a1c-5d44fec4775b" providerId="ADAL" clId="{1BAB5992-2FE2-4BAA-8568-BB196F7CCFC7}" dt="2022-10-10T02:47:13.288" v="818" actId="20577"/>
-          <ac:spMkLst>
-            <pc:docMk/>
-            <pc:sldMk cId="2223967579" sldId="298"/>
-            <ac:spMk id="6" creationId="{2A79C753-B13A-6877-FB25-F243ADAC89DE}"/>
-          </ac:spMkLst>
-        </pc:spChg>
-        <pc:spChg chg="add mod">
-          <ac:chgData name="Moraes,Marcia" userId="c9c67e8a-58e2-4733-9a1c-5d44fec4775b" providerId="ADAL" clId="{1BAB5992-2FE2-4BAA-8568-BB196F7CCFC7}" dt="2022-10-10T02:47:32.727" v="863" actId="20577"/>
-          <ac:spMkLst>
-            <pc:docMk/>
-            <pc:sldMk cId="2223967579" sldId="298"/>
-            <ac:spMk id="7" creationId="{D8BA2E04-2F0A-C9D6-547A-0FB3042A5D03}"/>
-          </ac:spMkLst>
-        </pc:spChg>
-        <pc:spChg chg="del mod">
-          <ac:chgData name="Moraes,Marcia" userId="c9c67e8a-58e2-4733-9a1c-5d44fec4775b" providerId="ADAL" clId="{1BAB5992-2FE2-4BAA-8568-BB196F7CCFC7}" dt="2022-10-10T02:45:54.182" v="688" actId="478"/>
-          <ac:spMkLst>
-            <pc:docMk/>
-            <pc:sldMk cId="2223967579" sldId="298"/>
-            <ac:spMk id="8" creationId="{D2DFF88A-01D2-8624-F615-1FE50F4EEFFA}"/>
-          </ac:spMkLst>
-        </pc:spChg>
       </pc:sldChg>
     </pc:docChg>
+  </pc:docChgLst>
+  <pc:docChgLst>
+    <pc:chgData name="Moraes,Marcia" userId="c9c67e8a-58e2-4733-9a1c-5d44fec4775b" providerId="ADAL" clId="{0D9AA15C-D9A8-4703-B31B-455D063413CE}"/>
+  </pc:docChgLst>
+  <pc:docChgLst>
+    <pc:chgData name="Moraes,Marcia" userId="c9c67e8a-58e2-4733-9a1c-5d44fec4775b" providerId="ADAL" clId="{1BAB5992-2FE2-4BAA-8568-BB196F7CCFC7}"/>
   </pc:docChgLst>
 </pc:chgInfo>
 </file>
@@ -19676,13 +19428,13 @@
               <a:buChar char="•"/>
             </a:pPr>
             <a:r>
-              <a:rPr lang="en-US" dirty="0">
+              <a:rPr lang="en-US">
                 <a:sym typeface="Wingdings" panose="05000000000000000000" pitchFamily="2" charset="2"/>
               </a:rPr>
-              <a:t>Friday Oct 14</a:t>
+              <a:t>Friday Oct 11</a:t>
             </a:r>
             <a:r>
-              <a:rPr lang="en-US" baseline="30000" dirty="0">
+              <a:rPr lang="en-US" baseline="30000">
                 <a:sym typeface="Wingdings" panose="05000000000000000000" pitchFamily="2" charset="2"/>
               </a:rPr>
               <a:t>th </a:t>
@@ -22262,16 +22014,16 @@
 <file path=customXml/itemProps2.xml><?xml version="1.0" encoding="utf-8"?>
 <ds:datastoreItem xmlns:ds="http://schemas.openxmlformats.org/officeDocument/2006/customXml" ds:itemID="{05D3EE4C-68D3-4BA3-94E6-383E2DFDD168}">
   <ds:schemaRefs>
+    <ds:schemaRef ds:uri="e06ed288-fd75-4b50-bbed-f5a5df88c31c"/>
+    <ds:schemaRef ds:uri="92c41bee-f0ee-4aa6-9399-a35fbb883510"/>
+    <ds:schemaRef ds:uri="http://purl.org/dc/elements/1.1/"/>
+    <ds:schemaRef ds:uri="http://purl.org/dc/dcmitype/"/>
     <ds:schemaRef ds:uri="http://schemas.microsoft.com/office/2006/documentManagement/types"/>
     <ds:schemaRef ds:uri="http://schemas.microsoft.com/office/infopath/2007/PartnerControls"/>
-    <ds:schemaRef ds:uri="http://purl.org/dc/dcmitype/"/>
-    <ds:schemaRef ds:uri="http://purl.org/dc/elements/1.1/"/>
-    <ds:schemaRef ds:uri="e06ed288-fd75-4b50-bbed-f5a5df88c31c"/>
+    <ds:schemaRef ds:uri="http://schemas.openxmlformats.org/package/2006/metadata/core-properties"/>
     <ds:schemaRef ds:uri="http://schemas.microsoft.com/office/2006/metadata/properties"/>
+    <ds:schemaRef ds:uri="http://www.w3.org/XML/1998/namespace"/>
     <ds:schemaRef ds:uri="http://purl.org/dc/terms/"/>
-    <ds:schemaRef ds:uri="http://schemas.openxmlformats.org/package/2006/metadata/core-properties"/>
-    <ds:schemaRef ds:uri="92c41bee-f0ee-4aa6-9399-a35fbb883510"/>
-    <ds:schemaRef ds:uri="http://www.w3.org/XML/1998/namespace"/>
   </ds:schemaRefs>
 </ds:datastoreItem>
 </file>
